--- a/yelb-architecture.pptx
+++ b/yelb-architecture.pptx
@@ -243,7 +243,7 @@
           <a:p>
             <a:fld id="{919FEB60-5DE5-5248-904E-A9BB651676DE}" type="datetimeFigureOut">
               <a:rPr lang="en-US" smtClean="0"/>
-              <a:t>10/31/17</a:t>
+              <a:t>12/5/17</a:t>
             </a:fld>
             <a:endParaRPr lang="en-US" dirty="0"/>
           </a:p>
@@ -413,7 +413,7 @@
           <a:p>
             <a:fld id="{919FEB60-5DE5-5248-904E-A9BB651676DE}" type="datetimeFigureOut">
               <a:rPr lang="en-US" smtClean="0"/>
-              <a:t>10/31/17</a:t>
+              <a:t>12/5/17</a:t>
             </a:fld>
             <a:endParaRPr lang="en-US" dirty="0"/>
           </a:p>
@@ -593,7 +593,7 @@
           <a:p>
             <a:fld id="{919FEB60-5DE5-5248-904E-A9BB651676DE}" type="datetimeFigureOut">
               <a:rPr lang="en-US" smtClean="0"/>
-              <a:t>10/31/17</a:t>
+              <a:t>12/5/17</a:t>
             </a:fld>
             <a:endParaRPr lang="en-US" dirty="0"/>
           </a:p>
@@ -763,7 +763,7 @@
           <a:p>
             <a:fld id="{919FEB60-5DE5-5248-904E-A9BB651676DE}" type="datetimeFigureOut">
               <a:rPr lang="en-US" smtClean="0"/>
-              <a:t>10/31/17</a:t>
+              <a:t>12/5/17</a:t>
             </a:fld>
             <a:endParaRPr lang="en-US" dirty="0"/>
           </a:p>
@@ -1009,7 +1009,7 @@
           <a:p>
             <a:fld id="{919FEB60-5DE5-5248-904E-A9BB651676DE}" type="datetimeFigureOut">
               <a:rPr lang="en-US" smtClean="0"/>
-              <a:t>10/31/17</a:t>
+              <a:t>12/5/17</a:t>
             </a:fld>
             <a:endParaRPr lang="en-US" dirty="0"/>
           </a:p>
@@ -1241,7 +1241,7 @@
           <a:p>
             <a:fld id="{919FEB60-5DE5-5248-904E-A9BB651676DE}" type="datetimeFigureOut">
               <a:rPr lang="en-US" smtClean="0"/>
-              <a:t>10/31/17</a:t>
+              <a:t>12/5/17</a:t>
             </a:fld>
             <a:endParaRPr lang="en-US" dirty="0"/>
           </a:p>
@@ -1608,7 +1608,7 @@
           <a:p>
             <a:fld id="{919FEB60-5DE5-5248-904E-A9BB651676DE}" type="datetimeFigureOut">
               <a:rPr lang="en-US" smtClean="0"/>
-              <a:t>10/31/17</a:t>
+              <a:t>12/5/17</a:t>
             </a:fld>
             <a:endParaRPr lang="en-US" dirty="0"/>
           </a:p>
@@ -1726,7 +1726,7 @@
           <a:p>
             <a:fld id="{919FEB60-5DE5-5248-904E-A9BB651676DE}" type="datetimeFigureOut">
               <a:rPr lang="en-US" smtClean="0"/>
-              <a:t>10/31/17</a:t>
+              <a:t>12/5/17</a:t>
             </a:fld>
             <a:endParaRPr lang="en-US" dirty="0"/>
           </a:p>
@@ -1821,7 +1821,7 @@
           <a:p>
             <a:fld id="{919FEB60-5DE5-5248-904E-A9BB651676DE}" type="datetimeFigureOut">
               <a:rPr lang="en-US" smtClean="0"/>
-              <a:t>10/31/17</a:t>
+              <a:t>12/5/17</a:t>
             </a:fld>
             <a:endParaRPr lang="en-US" dirty="0"/>
           </a:p>
@@ -2098,7 +2098,7 @@
           <a:p>
             <a:fld id="{919FEB60-5DE5-5248-904E-A9BB651676DE}" type="datetimeFigureOut">
               <a:rPr lang="en-US" smtClean="0"/>
-              <a:t>10/31/17</a:t>
+              <a:t>12/5/17</a:t>
             </a:fld>
             <a:endParaRPr lang="en-US" dirty="0"/>
           </a:p>
@@ -2351,7 +2351,7 @@
           <a:p>
             <a:fld id="{919FEB60-5DE5-5248-904E-A9BB651676DE}" type="datetimeFigureOut">
               <a:rPr lang="en-US" smtClean="0"/>
-              <a:t>10/31/17</a:t>
+              <a:t>12/5/17</a:t>
             </a:fld>
             <a:endParaRPr lang="en-US" dirty="0"/>
           </a:p>
@@ -2564,7 +2564,7 @@
           <a:p>
             <a:fld id="{919FEB60-5DE5-5248-904E-A9BB651676DE}" type="datetimeFigureOut">
               <a:rPr lang="en-US" smtClean="0"/>
-              <a:t>10/31/17</a:t>
+              <a:t>12/5/17</a:t>
             </a:fld>
             <a:endParaRPr lang="en-US" dirty="0"/>
           </a:p>
@@ -3147,122 +3147,6 @@
           </a:p>
         </p:txBody>
       </p:sp>
-      <p:sp>
-        <p:nvSpPr>
-          <p:cNvPr id="6" name="Can 5"/>
-          <p:cNvSpPr/>
-          <p:nvPr/>
-        </p:nvSpPr>
-        <p:spPr>
-          <a:xfrm>
-            <a:off x="10225733" y="5019472"/>
-            <a:ext cx="1213995" cy="793499"/>
-          </a:xfrm>
-          <a:prstGeom prst="can">
-            <a:avLst/>
-          </a:prstGeom>
-          <a:noFill/>
-          <a:ln w="38100">
-            <a:solidFill>
-              <a:srgbClr val="FF0000"/>
-            </a:solidFill>
-          </a:ln>
-        </p:spPr>
-        <p:style>
-          <a:lnRef idx="2">
-            <a:schemeClr val="accent1">
-              <a:shade val="50000"/>
-            </a:schemeClr>
-          </a:lnRef>
-          <a:fillRef idx="1">
-            <a:schemeClr val="accent1"/>
-          </a:fillRef>
-          <a:effectRef idx="0">
-            <a:schemeClr val="accent1"/>
-          </a:effectRef>
-          <a:fontRef idx="minor">
-            <a:schemeClr val="lt1"/>
-          </a:fontRef>
-        </p:style>
-        <p:txBody>
-          <a:bodyPr rtlCol="0" anchor="ctr"/>
-          <a:lstStyle/>
-          <a:p>
-            <a:pPr algn="ctr"/>
-            <a:endParaRPr lang="en-US" b="1" i="1" dirty="0">
-              <a:solidFill>
-                <a:schemeClr val="tx1"/>
-              </a:solidFill>
-            </a:endParaRPr>
-          </a:p>
-          <a:p>
-            <a:pPr algn="ctr"/>
-            <a:r>
-              <a:rPr lang="en-US" b="1" i="1" dirty="0" smtClean="0">
-                <a:solidFill>
-                  <a:schemeClr val="tx1"/>
-                </a:solidFill>
-              </a:rPr>
-              <a:t>y</a:t>
-            </a:r>
-            <a:r>
-              <a:rPr lang="en-US" b="1" i="1" dirty="0" smtClean="0">
-                <a:solidFill>
-                  <a:schemeClr val="tx1"/>
-                </a:solidFill>
-              </a:rPr>
-              <a:t>elb-cache</a:t>
-            </a:r>
-            <a:endParaRPr lang="en-US" b="1" i="1" dirty="0">
-              <a:solidFill>
-                <a:schemeClr val="tx1"/>
-              </a:solidFill>
-            </a:endParaRPr>
-          </a:p>
-        </p:txBody>
-      </p:sp>
-      <p:cxnSp>
-        <p:nvCxnSpPr>
-          <p:cNvPr id="10" name="Elbow Connector 9"/>
-          <p:cNvCxnSpPr>
-            <a:stCxn id="6" idx="2"/>
-            <a:endCxn id="5" idx="3"/>
-          </p:cNvCxnSpPr>
-          <p:nvPr/>
-        </p:nvCxnSpPr>
-        <p:spPr>
-          <a:xfrm rot="10800000">
-            <a:off x="8795659" y="4621212"/>
-            <a:ext cx="1430075" cy="795010"/>
-          </a:xfrm>
-          <a:prstGeom prst="bentConnector3">
-            <a:avLst>
-              <a:gd name="adj1" fmla="val 50000"/>
-            </a:avLst>
-          </a:prstGeom>
-          <a:ln w="19050">
-            <a:solidFill>
-              <a:schemeClr val="tx1"/>
-            </a:solidFill>
-            <a:headEnd type="triangle"/>
-            <a:tailEnd type="triangle"/>
-          </a:ln>
-        </p:spPr>
-        <p:style>
-          <a:lnRef idx="1">
-            <a:schemeClr val="accent1"/>
-          </a:lnRef>
-          <a:fillRef idx="0">
-            <a:schemeClr val="accent1"/>
-          </a:fillRef>
-          <a:effectRef idx="0">
-            <a:schemeClr val="accent1"/>
-          </a:effectRef>
-          <a:fontRef idx="minor">
-            <a:schemeClr val="tx1"/>
-          </a:fontRef>
-        </p:style>
-      </p:cxnSp>
       <p:cxnSp>
         <p:nvCxnSpPr>
           <p:cNvPr id="13" name="Elbow Connector 12"/>
@@ -3781,7 +3665,7 @@
         </p:nvSpPr>
         <p:spPr>
           <a:xfrm>
-            <a:off x="9289239" y="4128634"/>
+            <a:off x="6979785" y="6177064"/>
             <a:ext cx="442913" cy="370114"/>
           </a:xfrm>
           <a:prstGeom prst="ellipse">
@@ -4013,63 +3897,6 @@
       </p:cxnSp>
       <p:sp>
         <p:nvSpPr>
-          <p:cNvPr id="39" name="Rounded Rectangle 38"/>
-          <p:cNvSpPr/>
-          <p:nvPr/>
-        </p:nvSpPr>
-        <p:spPr>
-          <a:xfrm>
-            <a:off x="10440962" y="5291845"/>
-            <a:ext cx="822450" cy="194292"/>
-          </a:xfrm>
-          <a:prstGeom prst="roundRect">
-            <a:avLst/>
-          </a:prstGeom>
-          <a:solidFill>
-            <a:srgbClr val="FF0000">
-              <a:alpha val="74000"/>
-            </a:srgbClr>
-          </a:solidFill>
-          <a:ln>
-            <a:solidFill>
-              <a:schemeClr val="accent1">
-                <a:lumMod val="60000"/>
-                <a:lumOff val="40000"/>
-              </a:schemeClr>
-            </a:solidFill>
-          </a:ln>
-        </p:spPr>
-        <p:style>
-          <a:lnRef idx="2">
-            <a:schemeClr val="accent1">
-              <a:shade val="50000"/>
-            </a:schemeClr>
-          </a:lnRef>
-          <a:fillRef idx="1">
-            <a:schemeClr val="accent1"/>
-          </a:fillRef>
-          <a:effectRef idx="0">
-            <a:schemeClr val="accent1"/>
-          </a:effectRef>
-          <a:fontRef idx="minor">
-            <a:schemeClr val="lt1"/>
-          </a:fontRef>
-        </p:style>
-        <p:txBody>
-          <a:bodyPr rtlCol="0" anchor="ctr"/>
-          <a:lstStyle/>
-          <a:p>
-            <a:pPr algn="ctr"/>
-            <a:r>
-              <a:rPr lang="en-US" b="1" i="1" dirty="0" smtClean="0"/>
-              <a:t>redis</a:t>
-            </a:r>
-            <a:endParaRPr lang="en-US" b="1" i="1" dirty="0"/>
-          </a:p>
-        </p:txBody>
-      </p:sp>
-      <p:sp>
-        <p:nvSpPr>
           <p:cNvPr id="41" name="Rounded Rectangle 40"/>
           <p:cNvSpPr/>
           <p:nvPr/>
@@ -4122,64 +3949,6 @@
               <a:t>Postgres</a:t>
             </a:r>
             <a:endParaRPr lang="en-US" b="1" i="1" dirty="0"/>
-          </a:p>
-        </p:txBody>
-      </p:sp>
-      <p:sp>
-        <p:nvSpPr>
-          <p:cNvPr id="42" name="Oval 41"/>
-          <p:cNvSpPr/>
-          <p:nvPr/>
-        </p:nvSpPr>
-        <p:spPr>
-          <a:xfrm>
-            <a:off x="7201242" y="6114288"/>
-            <a:ext cx="442913" cy="370114"/>
-          </a:xfrm>
-          <a:prstGeom prst="ellipse">
-            <a:avLst/>
-          </a:prstGeom>
-          <a:noFill/>
-          <a:ln w="28575">
-            <a:solidFill>
-              <a:schemeClr val="tx1"/>
-            </a:solidFill>
-          </a:ln>
-        </p:spPr>
-        <p:style>
-          <a:lnRef idx="2">
-            <a:schemeClr val="accent1">
-              <a:shade val="50000"/>
-            </a:schemeClr>
-          </a:lnRef>
-          <a:fillRef idx="1">
-            <a:schemeClr val="accent1"/>
-          </a:fillRef>
-          <a:effectRef idx="0">
-            <a:schemeClr val="accent1"/>
-          </a:effectRef>
-          <a:fontRef idx="minor">
-            <a:schemeClr val="lt1"/>
-          </a:fontRef>
-        </p:style>
-        <p:txBody>
-          <a:bodyPr rtlCol="0" anchor="ctr"/>
-          <a:lstStyle/>
-          <a:p>
-            <a:pPr algn="ctr"/>
-            <a:r>
-              <a:rPr lang="en-US" dirty="0" smtClean="0">
-                <a:solidFill>
-                  <a:schemeClr val="tx1"/>
-                </a:solidFill>
-              </a:rPr>
-              <a:t>5</a:t>
-            </a:r>
-            <a:endParaRPr lang="en-US" dirty="0">
-              <a:solidFill>
-                <a:schemeClr val="tx1"/>
-              </a:solidFill>
-            </a:endParaRPr>
           </a:p>
         </p:txBody>
       </p:sp>

--- a/yelb-architecture.pptx
+++ b/yelb-architecture.pptx
@@ -6,6 +6,7 @@
   </p:sldMasterIdLst>
   <p:sldIdLst>
     <p:sldId id="256" r:id="rId2"/>
+    <p:sldId id="257" r:id="rId3"/>
   </p:sldIdLst>
   <p:sldSz cx="12192000" cy="6858000"/>
   <p:notesSz cx="6858000" cy="9144000"/>
@@ -154,10 +155,9 @@
           </a:lstStyle>
           <a:p>
             <a:r>
-              <a:rPr lang="en-US" smtClean="0"/>
+              <a:rPr lang="en-US"/>
               <a:t>Click to edit Master title style</a:t>
             </a:r>
-            <a:endParaRPr lang="en-US"/>
           </a:p>
         </p:txBody>
       </p:sp>
@@ -219,10 +219,9 @@
           </a:lstStyle>
           <a:p>
             <a:r>
-              <a:rPr lang="en-US" smtClean="0"/>
+              <a:rPr lang="en-US"/>
               <a:t>Click to edit Master subtitle style</a:t>
             </a:r>
-            <a:endParaRPr lang="en-US"/>
           </a:p>
         </p:txBody>
       </p:sp>
@@ -243,7 +242,7 @@
           <a:p>
             <a:fld id="{919FEB60-5DE5-5248-904E-A9BB651676DE}" type="datetimeFigureOut">
               <a:rPr lang="en-US" smtClean="0"/>
-              <a:t>12/5/17</a:t>
+              <a:t>2/13/18</a:t>
             </a:fld>
             <a:endParaRPr lang="en-US" dirty="0"/>
           </a:p>
@@ -337,10 +336,9 @@
           <a:lstStyle/>
           <a:p>
             <a:r>
-              <a:rPr lang="en-US" smtClean="0"/>
+              <a:rPr lang="en-US"/>
               <a:t>Click to edit Master title style</a:t>
             </a:r>
-            <a:endParaRPr lang="en-US"/>
           </a:p>
         </p:txBody>
       </p:sp>
@@ -361,38 +359,37 @@
           <a:p>
             <a:pPr lvl="0"/>
             <a:r>
-              <a:rPr lang="en-US" smtClean="0"/>
+              <a:rPr lang="en-US"/>
               <a:t>Click to edit Master text styles</a:t>
             </a:r>
           </a:p>
           <a:p>
             <a:pPr lvl="1"/>
             <a:r>
-              <a:rPr lang="en-US" smtClean="0"/>
+              <a:rPr lang="en-US"/>
               <a:t>Second level</a:t>
             </a:r>
           </a:p>
           <a:p>
             <a:pPr lvl="2"/>
             <a:r>
-              <a:rPr lang="en-US" smtClean="0"/>
+              <a:rPr lang="en-US"/>
               <a:t>Third level</a:t>
             </a:r>
           </a:p>
           <a:p>
             <a:pPr lvl="3"/>
             <a:r>
-              <a:rPr lang="en-US" smtClean="0"/>
+              <a:rPr lang="en-US"/>
               <a:t>Fourth level</a:t>
             </a:r>
           </a:p>
           <a:p>
             <a:pPr lvl="4"/>
             <a:r>
-              <a:rPr lang="en-US" smtClean="0"/>
+              <a:rPr lang="en-US"/>
               <a:t>Fifth level</a:t>
             </a:r>
-            <a:endParaRPr lang="en-US"/>
           </a:p>
         </p:txBody>
       </p:sp>
@@ -413,7 +410,7 @@
           <a:p>
             <a:fld id="{919FEB60-5DE5-5248-904E-A9BB651676DE}" type="datetimeFigureOut">
               <a:rPr lang="en-US" smtClean="0"/>
-              <a:t>12/5/17</a:t>
+              <a:t>2/13/18</a:t>
             </a:fld>
             <a:endParaRPr lang="en-US" dirty="0"/>
           </a:p>
@@ -512,10 +509,9 @@
           <a:lstStyle/>
           <a:p>
             <a:r>
-              <a:rPr lang="en-US" smtClean="0"/>
+              <a:rPr lang="en-US"/>
               <a:t>Click to edit Master title style</a:t>
             </a:r>
-            <a:endParaRPr lang="en-US"/>
           </a:p>
         </p:txBody>
       </p:sp>
@@ -541,38 +537,37 @@
           <a:p>
             <a:pPr lvl="0"/>
             <a:r>
-              <a:rPr lang="en-US" smtClean="0"/>
+              <a:rPr lang="en-US"/>
               <a:t>Click to edit Master text styles</a:t>
             </a:r>
           </a:p>
           <a:p>
             <a:pPr lvl="1"/>
             <a:r>
-              <a:rPr lang="en-US" smtClean="0"/>
+              <a:rPr lang="en-US"/>
               <a:t>Second level</a:t>
             </a:r>
           </a:p>
           <a:p>
             <a:pPr lvl="2"/>
             <a:r>
-              <a:rPr lang="en-US" smtClean="0"/>
+              <a:rPr lang="en-US"/>
               <a:t>Third level</a:t>
             </a:r>
           </a:p>
           <a:p>
             <a:pPr lvl="3"/>
             <a:r>
-              <a:rPr lang="en-US" smtClean="0"/>
+              <a:rPr lang="en-US"/>
               <a:t>Fourth level</a:t>
             </a:r>
           </a:p>
           <a:p>
             <a:pPr lvl="4"/>
             <a:r>
-              <a:rPr lang="en-US" smtClean="0"/>
+              <a:rPr lang="en-US"/>
               <a:t>Fifth level</a:t>
             </a:r>
-            <a:endParaRPr lang="en-US"/>
           </a:p>
         </p:txBody>
       </p:sp>
@@ -593,7 +588,7 @@
           <a:p>
             <a:fld id="{919FEB60-5DE5-5248-904E-A9BB651676DE}" type="datetimeFigureOut">
               <a:rPr lang="en-US" smtClean="0"/>
-              <a:t>12/5/17</a:t>
+              <a:t>2/13/18</a:t>
             </a:fld>
             <a:endParaRPr lang="en-US" dirty="0"/>
           </a:p>
@@ -687,10 +682,9 @@
           <a:lstStyle/>
           <a:p>
             <a:r>
-              <a:rPr lang="en-US" smtClean="0"/>
+              <a:rPr lang="en-US"/>
               <a:t>Click to edit Master title style</a:t>
             </a:r>
-            <a:endParaRPr lang="en-US"/>
           </a:p>
         </p:txBody>
       </p:sp>
@@ -711,38 +705,37 @@
           <a:p>
             <a:pPr lvl="0"/>
             <a:r>
-              <a:rPr lang="en-US" smtClean="0"/>
+              <a:rPr lang="en-US"/>
               <a:t>Click to edit Master text styles</a:t>
             </a:r>
           </a:p>
           <a:p>
             <a:pPr lvl="1"/>
             <a:r>
-              <a:rPr lang="en-US" smtClean="0"/>
+              <a:rPr lang="en-US"/>
               <a:t>Second level</a:t>
             </a:r>
           </a:p>
           <a:p>
             <a:pPr lvl="2"/>
             <a:r>
-              <a:rPr lang="en-US" smtClean="0"/>
+              <a:rPr lang="en-US"/>
               <a:t>Third level</a:t>
             </a:r>
           </a:p>
           <a:p>
             <a:pPr lvl="3"/>
             <a:r>
-              <a:rPr lang="en-US" smtClean="0"/>
+              <a:rPr lang="en-US"/>
               <a:t>Fourth level</a:t>
             </a:r>
           </a:p>
           <a:p>
             <a:pPr lvl="4"/>
             <a:r>
-              <a:rPr lang="en-US" smtClean="0"/>
+              <a:rPr lang="en-US"/>
               <a:t>Fifth level</a:t>
             </a:r>
-            <a:endParaRPr lang="en-US"/>
           </a:p>
         </p:txBody>
       </p:sp>
@@ -763,7 +756,7 @@
           <a:p>
             <a:fld id="{919FEB60-5DE5-5248-904E-A9BB651676DE}" type="datetimeFigureOut">
               <a:rPr lang="en-US" smtClean="0"/>
-              <a:t>12/5/17</a:t>
+              <a:t>2/13/18</a:t>
             </a:fld>
             <a:endParaRPr lang="en-US" dirty="0"/>
           </a:p>
@@ -866,10 +859,9 @@
           </a:lstStyle>
           <a:p>
             <a:r>
-              <a:rPr lang="en-US" smtClean="0"/>
+              <a:rPr lang="en-US"/>
               <a:t>Click to edit Master title style</a:t>
             </a:r>
-            <a:endParaRPr lang="en-US"/>
           </a:p>
         </p:txBody>
       </p:sp>
@@ -986,7 +978,7 @@
           <a:p>
             <a:pPr lvl="0"/>
             <a:r>
-              <a:rPr lang="en-US" smtClean="0"/>
+              <a:rPr lang="en-US"/>
               <a:t>Click to edit Master text styles</a:t>
             </a:r>
           </a:p>
@@ -1009,7 +1001,7 @@
           <a:p>
             <a:fld id="{919FEB60-5DE5-5248-904E-A9BB651676DE}" type="datetimeFigureOut">
               <a:rPr lang="en-US" smtClean="0"/>
-              <a:t>12/5/17</a:t>
+              <a:t>2/13/18</a:t>
             </a:fld>
             <a:endParaRPr lang="en-US" dirty="0"/>
           </a:p>
@@ -1103,10 +1095,9 @@
           <a:lstStyle/>
           <a:p>
             <a:r>
-              <a:rPr lang="en-US" smtClean="0"/>
+              <a:rPr lang="en-US"/>
               <a:t>Click to edit Master title style</a:t>
             </a:r>
-            <a:endParaRPr lang="en-US"/>
           </a:p>
         </p:txBody>
       </p:sp>
@@ -1132,38 +1123,37 @@
           <a:p>
             <a:pPr lvl="0"/>
             <a:r>
-              <a:rPr lang="en-US" smtClean="0"/>
+              <a:rPr lang="en-US"/>
               <a:t>Click to edit Master text styles</a:t>
             </a:r>
           </a:p>
           <a:p>
             <a:pPr lvl="1"/>
             <a:r>
-              <a:rPr lang="en-US" smtClean="0"/>
+              <a:rPr lang="en-US"/>
               <a:t>Second level</a:t>
             </a:r>
           </a:p>
           <a:p>
             <a:pPr lvl="2"/>
             <a:r>
-              <a:rPr lang="en-US" smtClean="0"/>
+              <a:rPr lang="en-US"/>
               <a:t>Third level</a:t>
             </a:r>
           </a:p>
           <a:p>
             <a:pPr lvl="3"/>
             <a:r>
-              <a:rPr lang="en-US" smtClean="0"/>
+              <a:rPr lang="en-US"/>
               <a:t>Fourth level</a:t>
             </a:r>
           </a:p>
           <a:p>
             <a:pPr lvl="4"/>
             <a:r>
-              <a:rPr lang="en-US" smtClean="0"/>
+              <a:rPr lang="en-US"/>
               <a:t>Fifth level</a:t>
             </a:r>
-            <a:endParaRPr lang="en-US"/>
           </a:p>
         </p:txBody>
       </p:sp>
@@ -1189,38 +1179,37 @@
           <a:p>
             <a:pPr lvl="0"/>
             <a:r>
-              <a:rPr lang="en-US" smtClean="0"/>
+              <a:rPr lang="en-US"/>
               <a:t>Click to edit Master text styles</a:t>
             </a:r>
           </a:p>
           <a:p>
             <a:pPr lvl="1"/>
             <a:r>
-              <a:rPr lang="en-US" smtClean="0"/>
+              <a:rPr lang="en-US"/>
               <a:t>Second level</a:t>
             </a:r>
           </a:p>
           <a:p>
             <a:pPr lvl="2"/>
             <a:r>
-              <a:rPr lang="en-US" smtClean="0"/>
+              <a:rPr lang="en-US"/>
               <a:t>Third level</a:t>
             </a:r>
           </a:p>
           <a:p>
             <a:pPr lvl="3"/>
             <a:r>
-              <a:rPr lang="en-US" smtClean="0"/>
+              <a:rPr lang="en-US"/>
               <a:t>Fourth level</a:t>
             </a:r>
           </a:p>
           <a:p>
             <a:pPr lvl="4"/>
             <a:r>
-              <a:rPr lang="en-US" smtClean="0"/>
+              <a:rPr lang="en-US"/>
               <a:t>Fifth level</a:t>
             </a:r>
-            <a:endParaRPr lang="en-US"/>
           </a:p>
         </p:txBody>
       </p:sp>
@@ -1241,7 +1230,7 @@
           <a:p>
             <a:fld id="{919FEB60-5DE5-5248-904E-A9BB651676DE}" type="datetimeFigureOut">
               <a:rPr lang="en-US" smtClean="0"/>
-              <a:t>12/5/17</a:t>
+              <a:t>2/13/18</a:t>
             </a:fld>
             <a:endParaRPr lang="en-US" dirty="0"/>
           </a:p>
@@ -1340,10 +1329,9 @@
           <a:lstStyle/>
           <a:p>
             <a:r>
-              <a:rPr lang="en-US" smtClean="0"/>
+              <a:rPr lang="en-US"/>
               <a:t>Click to edit Master title style</a:t>
             </a:r>
-            <a:endParaRPr lang="en-US"/>
           </a:p>
         </p:txBody>
       </p:sp>
@@ -1406,7 +1394,7 @@
           <a:p>
             <a:pPr lvl="0"/>
             <a:r>
-              <a:rPr lang="en-US" smtClean="0"/>
+              <a:rPr lang="en-US"/>
               <a:t>Click to edit Master text styles</a:t>
             </a:r>
           </a:p>
@@ -1434,38 +1422,37 @@
           <a:p>
             <a:pPr lvl="0"/>
             <a:r>
-              <a:rPr lang="en-US" smtClean="0"/>
+              <a:rPr lang="en-US"/>
               <a:t>Click to edit Master text styles</a:t>
             </a:r>
           </a:p>
           <a:p>
             <a:pPr lvl="1"/>
             <a:r>
-              <a:rPr lang="en-US" smtClean="0"/>
+              <a:rPr lang="en-US"/>
               <a:t>Second level</a:t>
             </a:r>
           </a:p>
           <a:p>
             <a:pPr lvl="2"/>
             <a:r>
-              <a:rPr lang="en-US" smtClean="0"/>
+              <a:rPr lang="en-US"/>
               <a:t>Third level</a:t>
             </a:r>
           </a:p>
           <a:p>
             <a:pPr lvl="3"/>
             <a:r>
-              <a:rPr lang="en-US" smtClean="0"/>
+              <a:rPr lang="en-US"/>
               <a:t>Fourth level</a:t>
             </a:r>
           </a:p>
           <a:p>
             <a:pPr lvl="4"/>
             <a:r>
-              <a:rPr lang="en-US" smtClean="0"/>
+              <a:rPr lang="en-US"/>
               <a:t>Fifth level</a:t>
             </a:r>
-            <a:endParaRPr lang="en-US"/>
           </a:p>
         </p:txBody>
       </p:sp>
@@ -1528,7 +1515,7 @@
           <a:p>
             <a:pPr lvl="0"/>
             <a:r>
-              <a:rPr lang="en-US" smtClean="0"/>
+              <a:rPr lang="en-US"/>
               <a:t>Click to edit Master text styles</a:t>
             </a:r>
           </a:p>
@@ -1556,38 +1543,37 @@
           <a:p>
             <a:pPr lvl="0"/>
             <a:r>
-              <a:rPr lang="en-US" smtClean="0"/>
+              <a:rPr lang="en-US"/>
               <a:t>Click to edit Master text styles</a:t>
             </a:r>
           </a:p>
           <a:p>
             <a:pPr lvl="1"/>
             <a:r>
-              <a:rPr lang="en-US" smtClean="0"/>
+              <a:rPr lang="en-US"/>
               <a:t>Second level</a:t>
             </a:r>
           </a:p>
           <a:p>
             <a:pPr lvl="2"/>
             <a:r>
-              <a:rPr lang="en-US" smtClean="0"/>
+              <a:rPr lang="en-US"/>
               <a:t>Third level</a:t>
             </a:r>
           </a:p>
           <a:p>
             <a:pPr lvl="3"/>
             <a:r>
-              <a:rPr lang="en-US" smtClean="0"/>
+              <a:rPr lang="en-US"/>
               <a:t>Fourth level</a:t>
             </a:r>
           </a:p>
           <a:p>
             <a:pPr lvl="4"/>
             <a:r>
-              <a:rPr lang="en-US" smtClean="0"/>
+              <a:rPr lang="en-US"/>
               <a:t>Fifth level</a:t>
             </a:r>
-            <a:endParaRPr lang="en-US"/>
           </a:p>
         </p:txBody>
       </p:sp>
@@ -1608,7 +1594,7 @@
           <a:p>
             <a:fld id="{919FEB60-5DE5-5248-904E-A9BB651676DE}" type="datetimeFigureOut">
               <a:rPr lang="en-US" smtClean="0"/>
-              <a:t>12/5/17</a:t>
+              <a:t>2/13/18</a:t>
             </a:fld>
             <a:endParaRPr lang="en-US" dirty="0"/>
           </a:p>
@@ -1702,10 +1688,9 @@
           <a:lstStyle/>
           <a:p>
             <a:r>
-              <a:rPr lang="en-US" smtClean="0"/>
+              <a:rPr lang="en-US"/>
               <a:t>Click to edit Master title style</a:t>
             </a:r>
-            <a:endParaRPr lang="en-US"/>
           </a:p>
         </p:txBody>
       </p:sp>
@@ -1726,7 +1711,7 @@
           <a:p>
             <a:fld id="{919FEB60-5DE5-5248-904E-A9BB651676DE}" type="datetimeFigureOut">
               <a:rPr lang="en-US" smtClean="0"/>
-              <a:t>12/5/17</a:t>
+              <a:t>2/13/18</a:t>
             </a:fld>
             <a:endParaRPr lang="en-US" dirty="0"/>
           </a:p>
@@ -1821,7 +1806,7 @@
           <a:p>
             <a:fld id="{919FEB60-5DE5-5248-904E-A9BB651676DE}" type="datetimeFigureOut">
               <a:rPr lang="en-US" smtClean="0"/>
-              <a:t>12/5/17</a:t>
+              <a:t>2/13/18</a:t>
             </a:fld>
             <a:endParaRPr lang="en-US" dirty="0"/>
           </a:p>
@@ -1924,10 +1909,9 @@
           </a:lstStyle>
           <a:p>
             <a:r>
-              <a:rPr lang="en-US" smtClean="0"/>
+              <a:rPr lang="en-US"/>
               <a:t>Click to edit Master title style</a:t>
             </a:r>
-            <a:endParaRPr lang="en-US"/>
           </a:p>
         </p:txBody>
       </p:sp>
@@ -1981,38 +1965,37 @@
           <a:p>
             <a:pPr lvl="0"/>
             <a:r>
-              <a:rPr lang="en-US" smtClean="0"/>
+              <a:rPr lang="en-US"/>
               <a:t>Click to edit Master text styles</a:t>
             </a:r>
           </a:p>
           <a:p>
             <a:pPr lvl="1"/>
             <a:r>
-              <a:rPr lang="en-US" smtClean="0"/>
+              <a:rPr lang="en-US"/>
               <a:t>Second level</a:t>
             </a:r>
           </a:p>
           <a:p>
             <a:pPr lvl="2"/>
             <a:r>
-              <a:rPr lang="en-US" smtClean="0"/>
+              <a:rPr lang="en-US"/>
               <a:t>Third level</a:t>
             </a:r>
           </a:p>
           <a:p>
             <a:pPr lvl="3"/>
             <a:r>
-              <a:rPr lang="en-US" smtClean="0"/>
+              <a:rPr lang="en-US"/>
               <a:t>Fourth level</a:t>
             </a:r>
           </a:p>
           <a:p>
             <a:pPr lvl="4"/>
             <a:r>
-              <a:rPr lang="en-US" smtClean="0"/>
+              <a:rPr lang="en-US"/>
               <a:t>Fifth level</a:t>
             </a:r>
-            <a:endParaRPr lang="en-US"/>
           </a:p>
         </p:txBody>
       </p:sp>
@@ -2075,7 +2058,7 @@
           <a:p>
             <a:pPr lvl="0"/>
             <a:r>
-              <a:rPr lang="en-US" smtClean="0"/>
+              <a:rPr lang="en-US"/>
               <a:t>Click to edit Master text styles</a:t>
             </a:r>
           </a:p>
@@ -2098,7 +2081,7 @@
           <a:p>
             <a:fld id="{919FEB60-5DE5-5248-904E-A9BB651676DE}" type="datetimeFigureOut">
               <a:rPr lang="en-US" smtClean="0"/>
-              <a:t>12/5/17</a:t>
+              <a:t>2/13/18</a:t>
             </a:fld>
             <a:endParaRPr lang="en-US" dirty="0"/>
           </a:p>
@@ -2201,10 +2184,9 @@
           </a:lstStyle>
           <a:p>
             <a:r>
-              <a:rPr lang="en-US" smtClean="0"/>
+              <a:rPr lang="en-US"/>
               <a:t>Click to edit Master title style</a:t>
             </a:r>
-            <a:endParaRPr lang="en-US"/>
           </a:p>
         </p:txBody>
       </p:sp>
@@ -2328,7 +2310,7 @@
           <a:p>
             <a:pPr lvl="0"/>
             <a:r>
-              <a:rPr lang="en-US" smtClean="0"/>
+              <a:rPr lang="en-US"/>
               <a:t>Click to edit Master text styles</a:t>
             </a:r>
           </a:p>
@@ -2351,7 +2333,7 @@
           <a:p>
             <a:fld id="{919FEB60-5DE5-5248-904E-A9BB651676DE}" type="datetimeFigureOut">
               <a:rPr lang="en-US" smtClean="0"/>
-              <a:t>12/5/17</a:t>
+              <a:t>2/13/18</a:t>
             </a:fld>
             <a:endParaRPr lang="en-US" dirty="0"/>
           </a:p>
@@ -2460,10 +2442,9 @@
           <a:lstStyle/>
           <a:p>
             <a:r>
-              <a:rPr lang="en-US" smtClean="0"/>
+              <a:rPr lang="en-US"/>
               <a:t>Click to edit Master title style</a:t>
             </a:r>
-            <a:endParaRPr lang="en-US"/>
           </a:p>
         </p:txBody>
       </p:sp>
@@ -2494,38 +2475,37 @@
           <a:p>
             <a:pPr lvl="0"/>
             <a:r>
-              <a:rPr lang="en-US" smtClean="0"/>
+              <a:rPr lang="en-US"/>
               <a:t>Click to edit Master text styles</a:t>
             </a:r>
           </a:p>
           <a:p>
             <a:pPr lvl="1"/>
             <a:r>
-              <a:rPr lang="en-US" smtClean="0"/>
+              <a:rPr lang="en-US"/>
               <a:t>Second level</a:t>
             </a:r>
           </a:p>
           <a:p>
             <a:pPr lvl="2"/>
             <a:r>
-              <a:rPr lang="en-US" smtClean="0"/>
+              <a:rPr lang="en-US"/>
               <a:t>Third level</a:t>
             </a:r>
           </a:p>
           <a:p>
             <a:pPr lvl="3"/>
             <a:r>
-              <a:rPr lang="en-US" smtClean="0"/>
+              <a:rPr lang="en-US"/>
               <a:t>Fourth level</a:t>
             </a:r>
           </a:p>
           <a:p>
             <a:pPr lvl="4"/>
             <a:r>
-              <a:rPr lang="en-US" smtClean="0"/>
+              <a:rPr lang="en-US"/>
               <a:t>Fifth level</a:t>
             </a:r>
-            <a:endParaRPr lang="en-US"/>
           </a:p>
         </p:txBody>
       </p:sp>
@@ -2564,7 +2544,7 @@
           <a:p>
             <a:fld id="{919FEB60-5DE5-5248-904E-A9BB651676DE}" type="datetimeFigureOut">
               <a:rPr lang="en-US" smtClean="0"/>
-              <a:t>12/5/17</a:t>
+              <a:t>2/13/18</a:t>
             </a:fld>
             <a:endParaRPr lang="en-US" dirty="0"/>
           </a:p>
@@ -3013,7 +2993,7 @@
           <a:lstStyle/>
           <a:p>
             <a:pPr algn="ctr"/>
-            <a:endParaRPr lang="en-US" b="1" i="1" dirty="0" smtClean="0">
+            <a:endParaRPr lang="en-US" b="1" i="1" dirty="0">
               <a:solidFill>
                 <a:schemeClr val="tx1"/>
               </a:solidFill>
@@ -3029,7 +3009,7 @@
           </a:p>
           <a:p>
             <a:pPr algn="ctr"/>
-            <a:endParaRPr lang="en-US" b="1" i="1" dirty="0" smtClean="0">
+            <a:endParaRPr lang="en-US" b="1" i="1" dirty="0">
               <a:solidFill>
                 <a:schemeClr val="tx1"/>
               </a:solidFill>
@@ -3045,7 +3025,7 @@
           </a:p>
           <a:p>
             <a:pPr algn="ctr"/>
-            <a:endParaRPr lang="en-US" b="1" i="1" dirty="0" smtClean="0">
+            <a:endParaRPr lang="en-US" b="1" i="1" dirty="0">
               <a:solidFill>
                 <a:schemeClr val="tx1"/>
               </a:solidFill>
@@ -3054,18 +3034,13 @@
           <a:p>
             <a:pPr algn="ctr"/>
             <a:r>
-              <a:rPr lang="en-US" b="1" i="1" dirty="0" smtClean="0">
+              <a:rPr lang="en-US" b="1" i="1" dirty="0">
                 <a:solidFill>
                   <a:schemeClr val="tx1"/>
                 </a:solidFill>
               </a:rPr>
               <a:t>yelb-ui</a:t>
             </a:r>
-            <a:endParaRPr lang="en-US" b="1" i="1" dirty="0">
-              <a:solidFill>
-                <a:schemeClr val="tx1"/>
-              </a:solidFill>
-            </a:endParaRPr>
           </a:p>
         </p:txBody>
       </p:sp>
@@ -3107,7 +3082,7 @@
           <a:lstStyle/>
           <a:p>
             <a:pPr algn="ctr"/>
-            <a:endParaRPr lang="en-US" b="1" i="1" dirty="0" smtClean="0">
+            <a:endParaRPr lang="en-US" b="1" i="1" dirty="0">
               <a:solidFill>
                 <a:schemeClr val="tx1"/>
               </a:solidFill>
@@ -3123,7 +3098,7 @@
           </a:p>
           <a:p>
             <a:pPr algn="ctr"/>
-            <a:endParaRPr lang="en-US" b="1" i="1" dirty="0" smtClean="0">
+            <a:endParaRPr lang="en-US" b="1" i="1" dirty="0">
               <a:solidFill>
                 <a:schemeClr val="tx1"/>
               </a:solidFill>
@@ -3132,18 +3107,13 @@
           <a:p>
             <a:pPr algn="ctr"/>
             <a:r>
-              <a:rPr lang="en-US" b="1" i="1" dirty="0" smtClean="0">
+              <a:rPr lang="en-US" b="1" i="1" dirty="0">
                 <a:solidFill>
                   <a:schemeClr val="tx1"/>
                 </a:solidFill>
               </a:rPr>
               <a:t>yelb-appserver</a:t>
             </a:r>
-            <a:endParaRPr lang="en-US" b="1" i="1" dirty="0">
-              <a:solidFill>
-                <a:schemeClr val="tx1"/>
-              </a:solidFill>
-            </a:endParaRPr>
           </a:p>
         </p:txBody>
       </p:sp>
@@ -3239,13 +3209,8 @@
             <a:pPr algn="ctr"/>
             <a:r>
               <a:rPr lang="en-US" b="1" i="1" dirty="0"/>
-              <a:t>r</a:t>
-            </a:r>
-            <a:r>
-              <a:rPr lang="en-US" b="1" i="1" dirty="0" smtClean="0"/>
-              <a:t>uby - sinatra</a:t>
-            </a:r>
-            <a:endParaRPr lang="en-US" b="1" i="1" dirty="0"/>
+              <a:t>ruby - sinatra</a:t>
+            </a:r>
           </a:p>
         </p:txBody>
       </p:sp>
@@ -3300,18 +3265,13 @@
           <a:p>
             <a:pPr algn="ctr"/>
             <a:r>
-              <a:rPr lang="en-US" b="1" i="1" dirty="0" smtClean="0">
+              <a:rPr lang="en-US" b="1" i="1" dirty="0">
                 <a:solidFill>
                   <a:schemeClr val="tx1"/>
                 </a:solidFill>
               </a:rPr>
               <a:t>nginx</a:t>
             </a:r>
-            <a:endParaRPr lang="en-US" b="1" i="1" dirty="0">
-              <a:solidFill>
-                <a:schemeClr val="tx1"/>
-              </a:solidFill>
-            </a:endParaRPr>
           </a:p>
         </p:txBody>
       </p:sp>
@@ -3354,10 +3314,9 @@
           <a:p>
             <a:pPr algn="ctr"/>
             <a:r>
-              <a:rPr lang="en-US" sz="1100" b="1" i="1" dirty="0" smtClean="0"/>
+              <a:rPr lang="en-US" sz="1100" b="1" i="1" dirty="0"/>
               <a:t>UI (Angular 2)</a:t>
             </a:r>
-            <a:endParaRPr lang="en-US" sz="1100" b="1" i="1" dirty="0"/>
           </a:p>
         </p:txBody>
       </p:sp>
@@ -3409,18 +3368,13 @@
           <a:p>
             <a:pPr algn="ctr"/>
             <a:r>
-              <a:rPr lang="en-US" b="1" i="1" dirty="0" smtClean="0">
+              <a:rPr lang="en-US" b="1" i="1" dirty="0">
                 <a:solidFill>
                   <a:schemeClr val="tx1"/>
                 </a:solidFill>
               </a:rPr>
               <a:t>Browser</a:t>
             </a:r>
-            <a:endParaRPr lang="en-US" b="1" i="1" dirty="0">
-              <a:solidFill>
-                <a:schemeClr val="tx1"/>
-              </a:solidFill>
-            </a:endParaRPr>
           </a:p>
         </p:txBody>
       </p:sp>
@@ -3584,18 +3538,13 @@
           <a:p>
             <a:pPr algn="ctr"/>
             <a:r>
-              <a:rPr lang="en-US" dirty="0" smtClean="0">
+              <a:rPr lang="en-US" dirty="0">
                 <a:solidFill>
                   <a:schemeClr val="tx1"/>
                 </a:solidFill>
               </a:rPr>
               <a:t>1</a:t>
             </a:r>
-            <a:endParaRPr lang="en-US" dirty="0">
-              <a:solidFill>
-                <a:schemeClr val="tx1"/>
-              </a:solidFill>
-            </a:endParaRPr>
           </a:p>
         </p:txBody>
       </p:sp>
@@ -3642,18 +3591,13 @@
           <a:p>
             <a:pPr algn="ctr"/>
             <a:r>
-              <a:rPr lang="en-US" dirty="0" smtClean="0">
+              <a:rPr lang="en-US" dirty="0">
                 <a:solidFill>
                   <a:schemeClr val="tx1"/>
                 </a:solidFill>
               </a:rPr>
               <a:t>2</a:t>
             </a:r>
-            <a:endParaRPr lang="en-US" dirty="0">
-              <a:solidFill>
-                <a:schemeClr val="tx1"/>
-              </a:solidFill>
-            </a:endParaRPr>
           </a:p>
         </p:txBody>
       </p:sp>
@@ -3700,18 +3644,13 @@
           <a:p>
             <a:pPr algn="ctr"/>
             <a:r>
-              <a:rPr lang="en-US" dirty="0" smtClean="0">
+              <a:rPr lang="en-US" dirty="0">
                 <a:solidFill>
                   <a:schemeClr val="tx1"/>
                 </a:solidFill>
               </a:rPr>
               <a:t>4</a:t>
             </a:r>
-            <a:endParaRPr lang="en-US" dirty="0">
-              <a:solidFill>
-                <a:schemeClr val="tx1"/>
-              </a:solidFill>
-            </a:endParaRPr>
           </a:p>
         </p:txBody>
       </p:sp>
@@ -3758,18 +3697,13 @@
           <a:p>
             <a:pPr algn="ctr"/>
             <a:r>
-              <a:rPr lang="en-US" dirty="0" smtClean="0">
+              <a:rPr lang="en-US" dirty="0">
                 <a:solidFill>
                   <a:schemeClr val="tx1"/>
                 </a:solidFill>
               </a:rPr>
               <a:t>3</a:t>
             </a:r>
-            <a:endParaRPr lang="en-US" dirty="0">
-              <a:solidFill>
-                <a:schemeClr val="tx1"/>
-              </a:solidFill>
-            </a:endParaRPr>
           </a:p>
         </p:txBody>
       </p:sp>
@@ -3815,7 +3749,7 @@
           <a:lstStyle/>
           <a:p>
             <a:pPr algn="ctr"/>
-            <a:endParaRPr lang="en-US" b="1" i="1" dirty="0" smtClean="0">
+            <a:endParaRPr lang="en-US" b="1" i="1" dirty="0">
               <a:solidFill>
                 <a:schemeClr val="tx1"/>
               </a:solidFill>
@@ -3837,21 +3771,8 @@
                   <a:schemeClr val="tx1"/>
                 </a:solidFill>
               </a:rPr>
-              <a:t>y</a:t>
-            </a:r>
-            <a:r>
-              <a:rPr lang="en-US" b="1" i="1" dirty="0" smtClean="0">
-                <a:solidFill>
-                  <a:schemeClr val="tx1"/>
-                </a:solidFill>
-              </a:rPr>
-              <a:t>elb-db</a:t>
-            </a:r>
-            <a:endParaRPr lang="en-US" b="1" i="1" dirty="0">
-              <a:solidFill>
-                <a:schemeClr val="tx1"/>
-              </a:solidFill>
-            </a:endParaRPr>
+              <a:t>yelb-db</a:t>
+            </a:r>
           </a:p>
         </p:txBody>
       </p:sp>
@@ -3945,10 +3866,44 @@
           <a:p>
             <a:pPr algn="ctr"/>
             <a:r>
-              <a:rPr lang="en-US" b="1" i="1" dirty="0" smtClean="0"/>
+              <a:rPr lang="en-US" b="1" i="1" dirty="0"/>
               <a:t>Postgres</a:t>
             </a:r>
-            <a:endParaRPr lang="en-US" b="1" i="1" dirty="0"/>
+          </a:p>
+        </p:txBody>
+      </p:sp>
+      <p:sp>
+        <p:nvSpPr>
+          <p:cNvPr id="2" name="TextBox 1">
+            <a:extLst>
+              <a:ext uri="{FF2B5EF4-FFF2-40B4-BE49-F238E27FC236}">
+                <a16:creationId xmlns:a16="http://schemas.microsoft.com/office/drawing/2014/main" id="{4BEBDA30-177F-B74D-B47A-9F96B423C873}"/>
+              </a:ext>
+            </a:extLst>
+          </p:cNvPr>
+          <p:cNvSpPr txBox="1"/>
+          <p:nvPr/>
+        </p:nvSpPr>
+        <p:spPr>
+          <a:xfrm>
+            <a:off x="442912" y="337457"/>
+            <a:ext cx="2569165" cy="369332"/>
+          </a:xfrm>
+          <a:prstGeom prst="rect">
+            <a:avLst/>
+          </a:prstGeom>
+          <a:noFill/>
+        </p:spPr>
+        <p:txBody>
+          <a:bodyPr wrap="none" rtlCol="0">
+            <a:spAutoFit/>
+          </a:bodyPr>
+          <a:lstStyle/>
+          <a:p>
+            <a:r>
+              <a:rPr lang="en-US" dirty="0"/>
+              <a:t>Basic application diagram</a:t>
+            </a:r>
           </a:p>
         </p:txBody>
       </p:sp>
@@ -3956,6 +3911,1140 @@
     <p:extLst>
       <p:ext uri="{BB962C8B-B14F-4D97-AF65-F5344CB8AC3E}">
         <p14:creationId xmlns:p14="http://schemas.microsoft.com/office/powerpoint/2010/main" val="909121687"/>
+      </p:ext>
+    </p:extLst>
+  </p:cSld>
+  <p:clrMapOvr>
+    <a:masterClrMapping/>
+  </p:clrMapOvr>
+</p:sld>
+</file>
+
+<file path=ppt/slides/slide2.xml><?xml version="1.0" encoding="utf-8"?>
+<p:sld xmlns:a="http://schemas.openxmlformats.org/drawingml/2006/main" xmlns:r="http://schemas.openxmlformats.org/officeDocument/2006/relationships" xmlns:p="http://schemas.openxmlformats.org/presentationml/2006/main">
+  <p:cSld>
+    <p:spTree>
+      <p:nvGrpSpPr>
+        <p:cNvPr id="1" name=""/>
+        <p:cNvGrpSpPr/>
+        <p:nvPr/>
+      </p:nvGrpSpPr>
+      <p:grpSpPr>
+        <a:xfrm>
+          <a:off x="0" y="0"/>
+          <a:ext cx="0" cy="0"/>
+          <a:chOff x="0" y="0"/>
+          <a:chExt cx="0" cy="0"/>
+        </a:xfrm>
+      </p:grpSpPr>
+      <p:sp>
+        <p:nvSpPr>
+          <p:cNvPr id="4" name="Rectangle 3"/>
+          <p:cNvSpPr/>
+          <p:nvPr/>
+        </p:nvSpPr>
+        <p:spPr>
+          <a:xfrm>
+            <a:off x="6727002" y="2492489"/>
+            <a:ext cx="1905000" cy="1790700"/>
+          </a:xfrm>
+          <a:prstGeom prst="rect">
+            <a:avLst/>
+          </a:prstGeom>
+          <a:noFill/>
+          <a:ln w="38100">
+            <a:solidFill>
+              <a:schemeClr val="accent6">
+                <a:lumMod val="75000"/>
+              </a:schemeClr>
+            </a:solidFill>
+          </a:ln>
+        </p:spPr>
+        <p:style>
+          <a:lnRef idx="2">
+            <a:schemeClr val="accent1">
+              <a:shade val="50000"/>
+            </a:schemeClr>
+          </a:lnRef>
+          <a:fillRef idx="1">
+            <a:schemeClr val="accent1"/>
+          </a:fillRef>
+          <a:effectRef idx="0">
+            <a:schemeClr val="accent1"/>
+          </a:effectRef>
+          <a:fontRef idx="minor">
+            <a:schemeClr val="lt1"/>
+          </a:fontRef>
+        </p:style>
+        <p:txBody>
+          <a:bodyPr rtlCol="0" anchor="ctr"/>
+          <a:lstStyle/>
+          <a:p>
+            <a:pPr algn="ctr"/>
+            <a:endParaRPr lang="en-US" b="1" i="1" dirty="0">
+              <a:solidFill>
+                <a:schemeClr val="tx1"/>
+              </a:solidFill>
+            </a:endParaRPr>
+          </a:p>
+          <a:p>
+            <a:pPr algn="ctr"/>
+            <a:endParaRPr lang="en-US" b="1" i="1" dirty="0">
+              <a:solidFill>
+                <a:schemeClr val="tx1"/>
+              </a:solidFill>
+            </a:endParaRPr>
+          </a:p>
+          <a:p>
+            <a:pPr algn="ctr"/>
+            <a:endParaRPr lang="en-US" b="1" i="1" dirty="0">
+              <a:solidFill>
+                <a:schemeClr val="tx1"/>
+              </a:solidFill>
+            </a:endParaRPr>
+          </a:p>
+          <a:p>
+            <a:pPr algn="ctr"/>
+            <a:endParaRPr lang="en-US" b="1" i="1" dirty="0">
+              <a:solidFill>
+                <a:schemeClr val="tx1"/>
+              </a:solidFill>
+            </a:endParaRPr>
+          </a:p>
+          <a:p>
+            <a:pPr algn="ctr"/>
+            <a:endParaRPr lang="en-US" b="1" i="1" dirty="0">
+              <a:solidFill>
+                <a:schemeClr val="tx1"/>
+              </a:solidFill>
+            </a:endParaRPr>
+          </a:p>
+          <a:p>
+            <a:pPr algn="ctr"/>
+            <a:r>
+              <a:rPr lang="en-US" b="1" i="1" dirty="0">
+                <a:solidFill>
+                  <a:schemeClr val="tx1"/>
+                </a:solidFill>
+              </a:rPr>
+              <a:t>yelb-web1</a:t>
+            </a:r>
+          </a:p>
+        </p:txBody>
+      </p:sp>
+      <p:sp>
+        <p:nvSpPr>
+          <p:cNvPr id="5" name="Rectangle 4"/>
+          <p:cNvSpPr/>
+          <p:nvPr/>
+        </p:nvSpPr>
+        <p:spPr>
+          <a:xfrm>
+            <a:off x="5482334" y="5179748"/>
+            <a:ext cx="1926771" cy="1230085"/>
+          </a:xfrm>
+          <a:prstGeom prst="rect">
+            <a:avLst/>
+          </a:prstGeom>
+          <a:noFill/>
+          <a:ln w="38100"/>
+        </p:spPr>
+        <p:style>
+          <a:lnRef idx="2">
+            <a:schemeClr val="accent1">
+              <a:shade val="50000"/>
+            </a:schemeClr>
+          </a:lnRef>
+          <a:fillRef idx="1">
+            <a:schemeClr val="accent1"/>
+          </a:fillRef>
+          <a:effectRef idx="0">
+            <a:schemeClr val="accent1"/>
+          </a:effectRef>
+          <a:fontRef idx="minor">
+            <a:schemeClr val="lt1"/>
+          </a:fontRef>
+        </p:style>
+        <p:txBody>
+          <a:bodyPr rtlCol="0" anchor="ctr"/>
+          <a:lstStyle/>
+          <a:p>
+            <a:pPr algn="ctr"/>
+            <a:endParaRPr lang="en-US" b="1" i="1" dirty="0">
+              <a:solidFill>
+                <a:schemeClr val="tx1"/>
+              </a:solidFill>
+            </a:endParaRPr>
+          </a:p>
+          <a:p>
+            <a:pPr algn="ctr"/>
+            <a:endParaRPr lang="en-US" b="1" i="1" dirty="0">
+              <a:solidFill>
+                <a:schemeClr val="tx1"/>
+              </a:solidFill>
+            </a:endParaRPr>
+          </a:p>
+          <a:p>
+            <a:pPr algn="ctr"/>
+            <a:endParaRPr lang="en-US" b="1" i="1" dirty="0">
+              <a:solidFill>
+                <a:schemeClr val="tx1"/>
+              </a:solidFill>
+            </a:endParaRPr>
+          </a:p>
+          <a:p>
+            <a:pPr algn="ctr"/>
+            <a:r>
+              <a:rPr lang="en-US" b="1" i="1" dirty="0" err="1">
+                <a:solidFill>
+                  <a:schemeClr val="tx1"/>
+                </a:solidFill>
+              </a:rPr>
+              <a:t>yelb</a:t>
+            </a:r>
+            <a:r>
+              <a:rPr lang="en-US" b="1" i="1" dirty="0">
+                <a:solidFill>
+                  <a:schemeClr val="tx1"/>
+                </a:solidFill>
+              </a:rPr>
+              <a:t>-app</a:t>
+            </a:r>
+          </a:p>
+        </p:txBody>
+      </p:sp>
+      <p:cxnSp>
+        <p:nvCxnSpPr>
+          <p:cNvPr id="13" name="Elbow Connector 12"/>
+          <p:cNvCxnSpPr>
+            <a:cxnSpLocks/>
+            <a:stCxn id="4" idx="2"/>
+            <a:endCxn id="5" idx="0"/>
+          </p:cNvCxnSpPr>
+          <p:nvPr/>
+        </p:nvCxnSpPr>
+        <p:spPr>
+          <a:xfrm rot="5400000">
+            <a:off x="6614332" y="4114577"/>
+            <a:ext cx="896559" cy="1233782"/>
+          </a:xfrm>
+          <a:prstGeom prst="bentConnector3">
+            <a:avLst>
+              <a:gd name="adj1" fmla="val 50000"/>
+            </a:avLst>
+          </a:prstGeom>
+          <a:ln w="19050">
+            <a:solidFill>
+              <a:schemeClr val="tx1"/>
+            </a:solidFill>
+            <a:headEnd type="triangle"/>
+            <a:tailEnd type="triangle"/>
+          </a:ln>
+        </p:spPr>
+        <p:style>
+          <a:lnRef idx="1">
+            <a:schemeClr val="accent1"/>
+          </a:lnRef>
+          <a:fillRef idx="0">
+            <a:schemeClr val="accent1"/>
+          </a:fillRef>
+          <a:effectRef idx="0">
+            <a:schemeClr val="accent1"/>
+          </a:effectRef>
+          <a:fontRef idx="minor">
+            <a:schemeClr val="tx1"/>
+          </a:fontRef>
+        </p:style>
+      </p:cxnSp>
+      <p:sp>
+        <p:nvSpPr>
+          <p:cNvPr id="24" name="Rounded Rectangle 23"/>
+          <p:cNvSpPr/>
+          <p:nvPr/>
+        </p:nvSpPr>
+        <p:spPr>
+          <a:xfrm>
+            <a:off x="5602077" y="5451892"/>
+            <a:ext cx="1698172" cy="413657"/>
+          </a:xfrm>
+          <a:prstGeom prst="roundRect">
+            <a:avLst/>
+          </a:prstGeom>
+          <a:solidFill>
+            <a:schemeClr val="accent1">
+              <a:lumMod val="60000"/>
+              <a:lumOff val="40000"/>
+            </a:schemeClr>
+          </a:solidFill>
+          <a:ln>
+            <a:solidFill>
+              <a:schemeClr val="accent1">
+                <a:lumMod val="60000"/>
+                <a:lumOff val="40000"/>
+              </a:schemeClr>
+            </a:solidFill>
+          </a:ln>
+        </p:spPr>
+        <p:style>
+          <a:lnRef idx="2">
+            <a:schemeClr val="accent1">
+              <a:shade val="50000"/>
+            </a:schemeClr>
+          </a:lnRef>
+          <a:fillRef idx="1">
+            <a:schemeClr val="accent1"/>
+          </a:fillRef>
+          <a:effectRef idx="0">
+            <a:schemeClr val="accent1"/>
+          </a:effectRef>
+          <a:fontRef idx="minor">
+            <a:schemeClr val="lt1"/>
+          </a:fontRef>
+        </p:style>
+        <p:txBody>
+          <a:bodyPr rtlCol="0" anchor="ctr"/>
+          <a:lstStyle/>
+          <a:p>
+            <a:pPr algn="ctr"/>
+            <a:r>
+              <a:rPr lang="en-US" b="1" i="1" dirty="0"/>
+              <a:t>ruby - sinatra</a:t>
+            </a:r>
+          </a:p>
+        </p:txBody>
+      </p:sp>
+      <p:sp>
+        <p:nvSpPr>
+          <p:cNvPr id="25" name="Rounded Rectangle 24"/>
+          <p:cNvSpPr/>
+          <p:nvPr/>
+        </p:nvSpPr>
+        <p:spPr>
+          <a:xfrm>
+            <a:off x="6944714" y="3118423"/>
+            <a:ext cx="1491343" cy="576944"/>
+          </a:xfrm>
+          <a:prstGeom prst="roundRect">
+            <a:avLst/>
+          </a:prstGeom>
+          <a:solidFill>
+            <a:schemeClr val="accent6">
+              <a:lumMod val="40000"/>
+              <a:lumOff val="60000"/>
+            </a:schemeClr>
+          </a:solidFill>
+          <a:ln>
+            <a:solidFill>
+              <a:schemeClr val="accent6">
+                <a:lumMod val="40000"/>
+                <a:lumOff val="60000"/>
+              </a:schemeClr>
+            </a:solidFill>
+          </a:ln>
+        </p:spPr>
+        <p:style>
+          <a:lnRef idx="2">
+            <a:schemeClr val="accent1">
+              <a:shade val="50000"/>
+            </a:schemeClr>
+          </a:lnRef>
+          <a:fillRef idx="1">
+            <a:schemeClr val="accent1"/>
+          </a:fillRef>
+          <a:effectRef idx="0">
+            <a:schemeClr val="accent1"/>
+          </a:effectRef>
+          <a:fontRef idx="minor">
+            <a:schemeClr val="lt1"/>
+          </a:fontRef>
+        </p:style>
+        <p:txBody>
+          <a:bodyPr rtlCol="0" anchor="ctr"/>
+          <a:lstStyle/>
+          <a:p>
+            <a:pPr algn="ctr"/>
+            <a:r>
+              <a:rPr lang="en-US" b="1" i="1" dirty="0">
+                <a:solidFill>
+                  <a:schemeClr val="tx1"/>
+                </a:solidFill>
+              </a:rPr>
+              <a:t>nginx</a:t>
+            </a:r>
+          </a:p>
+        </p:txBody>
+      </p:sp>
+      <p:sp>
+        <p:nvSpPr>
+          <p:cNvPr id="30" name="Snip Single Corner Rectangle 29"/>
+          <p:cNvSpPr/>
+          <p:nvPr/>
+        </p:nvSpPr>
+        <p:spPr>
+          <a:xfrm>
+            <a:off x="7029079" y="2715649"/>
+            <a:ext cx="1059562" cy="359231"/>
+          </a:xfrm>
+          <a:prstGeom prst="snip1Rect">
+            <a:avLst>
+              <a:gd name="adj" fmla="val 32052"/>
+            </a:avLst>
+          </a:prstGeom>
+        </p:spPr>
+        <p:style>
+          <a:lnRef idx="2">
+            <a:schemeClr val="accent1">
+              <a:shade val="50000"/>
+            </a:schemeClr>
+          </a:lnRef>
+          <a:fillRef idx="1">
+            <a:schemeClr val="accent1"/>
+          </a:fillRef>
+          <a:effectRef idx="0">
+            <a:schemeClr val="accent1"/>
+          </a:effectRef>
+          <a:fontRef idx="minor">
+            <a:schemeClr val="lt1"/>
+          </a:fontRef>
+        </p:style>
+        <p:txBody>
+          <a:bodyPr rtlCol="0" anchor="ctr"/>
+          <a:lstStyle/>
+          <a:p>
+            <a:pPr algn="ctr"/>
+            <a:r>
+              <a:rPr lang="en-US" sz="1100" b="1" i="1" dirty="0"/>
+              <a:t>UI (Angular 2)</a:t>
+            </a:r>
+          </a:p>
+        </p:txBody>
+      </p:sp>
+      <p:sp>
+        <p:nvSpPr>
+          <p:cNvPr id="33" name="Rectangle 32"/>
+          <p:cNvSpPr/>
+          <p:nvPr/>
+        </p:nvSpPr>
+        <p:spPr>
+          <a:xfrm>
+            <a:off x="5152948" y="409192"/>
+            <a:ext cx="2563586" cy="489857"/>
+          </a:xfrm>
+          <a:prstGeom prst="rect">
+            <a:avLst/>
+          </a:prstGeom>
+          <a:solidFill>
+            <a:schemeClr val="accent5">
+              <a:lumMod val="20000"/>
+              <a:lumOff val="80000"/>
+            </a:schemeClr>
+          </a:solidFill>
+          <a:ln>
+            <a:solidFill>
+              <a:schemeClr val="tx1"/>
+            </a:solidFill>
+          </a:ln>
+        </p:spPr>
+        <p:style>
+          <a:lnRef idx="2">
+            <a:schemeClr val="accent1">
+              <a:shade val="50000"/>
+            </a:schemeClr>
+          </a:lnRef>
+          <a:fillRef idx="1">
+            <a:schemeClr val="accent1"/>
+          </a:fillRef>
+          <a:effectRef idx="0">
+            <a:schemeClr val="accent1"/>
+          </a:effectRef>
+          <a:fontRef idx="minor">
+            <a:schemeClr val="lt1"/>
+          </a:fontRef>
+        </p:style>
+        <p:txBody>
+          <a:bodyPr rtlCol="0" anchor="ctr"/>
+          <a:lstStyle/>
+          <a:p>
+            <a:pPr algn="ctr"/>
+            <a:r>
+              <a:rPr lang="en-US" b="1" i="1" dirty="0">
+                <a:solidFill>
+                  <a:schemeClr val="tx1"/>
+                </a:solidFill>
+              </a:rPr>
+              <a:t>Browser</a:t>
+            </a:r>
+          </a:p>
+        </p:txBody>
+      </p:sp>
+      <p:cxnSp>
+        <p:nvCxnSpPr>
+          <p:cNvPr id="35" name="Elbow Connector 34"/>
+          <p:cNvCxnSpPr>
+            <a:cxnSpLocks/>
+            <a:stCxn id="33" idx="2"/>
+            <a:endCxn id="34" idx="0"/>
+          </p:cNvCxnSpPr>
+          <p:nvPr/>
+        </p:nvCxnSpPr>
+        <p:spPr>
+          <a:xfrm rot="16200000" flipH="1">
+            <a:off x="6132709" y="1201081"/>
+            <a:ext cx="615042" cy="10978"/>
+          </a:xfrm>
+          <a:prstGeom prst="bentConnector3">
+            <a:avLst>
+              <a:gd name="adj1" fmla="val 50000"/>
+            </a:avLst>
+          </a:prstGeom>
+          <a:ln w="19050">
+            <a:solidFill>
+              <a:schemeClr val="tx1"/>
+            </a:solidFill>
+            <a:headEnd type="triangle"/>
+            <a:tailEnd type="triangle"/>
+          </a:ln>
+        </p:spPr>
+        <p:style>
+          <a:lnRef idx="1">
+            <a:schemeClr val="accent1"/>
+          </a:lnRef>
+          <a:fillRef idx="0">
+            <a:schemeClr val="accent1"/>
+          </a:fillRef>
+          <a:effectRef idx="0">
+            <a:schemeClr val="accent1"/>
+          </a:effectRef>
+          <a:fontRef idx="minor">
+            <a:schemeClr val="tx1"/>
+          </a:fontRef>
+        </p:style>
+      </p:cxnSp>
+      <p:sp>
+        <p:nvSpPr>
+          <p:cNvPr id="31" name="Can 30"/>
+          <p:cNvSpPr/>
+          <p:nvPr/>
+        </p:nvSpPr>
+        <p:spPr>
+          <a:xfrm>
+            <a:off x="1097997" y="5123345"/>
+            <a:ext cx="1541006" cy="1206218"/>
+          </a:xfrm>
+          <a:prstGeom prst="can">
+            <a:avLst/>
+          </a:prstGeom>
+          <a:noFill/>
+          <a:ln w="38100">
+            <a:solidFill>
+              <a:srgbClr val="7030A0"/>
+            </a:solidFill>
+          </a:ln>
+        </p:spPr>
+        <p:style>
+          <a:lnRef idx="2">
+            <a:schemeClr val="accent1">
+              <a:shade val="50000"/>
+            </a:schemeClr>
+          </a:lnRef>
+          <a:fillRef idx="1">
+            <a:schemeClr val="accent1"/>
+          </a:fillRef>
+          <a:effectRef idx="0">
+            <a:schemeClr val="accent1"/>
+          </a:effectRef>
+          <a:fontRef idx="minor">
+            <a:schemeClr val="lt1"/>
+          </a:fontRef>
+        </p:style>
+        <p:txBody>
+          <a:bodyPr rtlCol="0" anchor="ctr"/>
+          <a:lstStyle/>
+          <a:p>
+            <a:pPr algn="ctr"/>
+            <a:endParaRPr lang="en-US" b="1" i="1" dirty="0">
+              <a:solidFill>
+                <a:schemeClr val="tx1"/>
+              </a:solidFill>
+            </a:endParaRPr>
+          </a:p>
+          <a:p>
+            <a:pPr algn="ctr"/>
+            <a:endParaRPr lang="en-US" b="1" i="1" dirty="0">
+              <a:solidFill>
+                <a:schemeClr val="tx1"/>
+              </a:solidFill>
+            </a:endParaRPr>
+          </a:p>
+          <a:p>
+            <a:pPr algn="ctr"/>
+            <a:r>
+              <a:rPr lang="en-US" b="1" i="1" dirty="0">
+                <a:solidFill>
+                  <a:schemeClr val="tx1"/>
+                </a:solidFill>
+              </a:rPr>
+              <a:t>RDS</a:t>
+            </a:r>
+          </a:p>
+        </p:txBody>
+      </p:sp>
+      <p:cxnSp>
+        <p:nvCxnSpPr>
+          <p:cNvPr id="32" name="Elbow Connector 31"/>
+          <p:cNvCxnSpPr>
+            <a:cxnSpLocks/>
+            <a:stCxn id="31" idx="4"/>
+            <a:endCxn id="5" idx="1"/>
+          </p:cNvCxnSpPr>
+          <p:nvPr/>
+        </p:nvCxnSpPr>
+        <p:spPr>
+          <a:xfrm>
+            <a:off x="2639003" y="5726454"/>
+            <a:ext cx="2843331" cy="68337"/>
+          </a:xfrm>
+          <a:prstGeom prst="bentConnector3">
+            <a:avLst>
+              <a:gd name="adj1" fmla="val 50000"/>
+            </a:avLst>
+          </a:prstGeom>
+          <a:ln w="19050">
+            <a:solidFill>
+              <a:schemeClr val="tx1"/>
+            </a:solidFill>
+            <a:headEnd type="triangle"/>
+            <a:tailEnd type="triangle"/>
+          </a:ln>
+        </p:spPr>
+        <p:style>
+          <a:lnRef idx="1">
+            <a:schemeClr val="accent1"/>
+          </a:lnRef>
+          <a:fillRef idx="0">
+            <a:schemeClr val="accent1"/>
+          </a:fillRef>
+          <a:effectRef idx="0">
+            <a:schemeClr val="accent1"/>
+          </a:effectRef>
+          <a:fontRef idx="minor">
+            <a:schemeClr val="tx1"/>
+          </a:fontRef>
+        </p:style>
+      </p:cxnSp>
+      <p:sp>
+        <p:nvSpPr>
+          <p:cNvPr id="41" name="Rounded Rectangle 40"/>
+          <p:cNvSpPr/>
+          <p:nvPr/>
+        </p:nvSpPr>
+        <p:spPr>
+          <a:xfrm>
+            <a:off x="1166509" y="5537002"/>
+            <a:ext cx="1383562" cy="317999"/>
+          </a:xfrm>
+          <a:prstGeom prst="roundRect">
+            <a:avLst/>
+          </a:prstGeom>
+          <a:solidFill>
+            <a:srgbClr val="7030A0">
+              <a:alpha val="73000"/>
+            </a:srgbClr>
+          </a:solidFill>
+          <a:ln>
+            <a:solidFill>
+              <a:schemeClr val="accent1">
+                <a:lumMod val="60000"/>
+                <a:lumOff val="40000"/>
+              </a:schemeClr>
+            </a:solidFill>
+          </a:ln>
+        </p:spPr>
+        <p:style>
+          <a:lnRef idx="2">
+            <a:schemeClr val="accent1">
+              <a:shade val="50000"/>
+            </a:schemeClr>
+          </a:lnRef>
+          <a:fillRef idx="1">
+            <a:schemeClr val="accent1"/>
+          </a:fillRef>
+          <a:effectRef idx="0">
+            <a:schemeClr val="accent1"/>
+          </a:effectRef>
+          <a:fontRef idx="minor">
+            <a:schemeClr val="lt1"/>
+          </a:fontRef>
+        </p:style>
+        <p:txBody>
+          <a:bodyPr rtlCol="0" anchor="ctr"/>
+          <a:lstStyle/>
+          <a:p>
+            <a:pPr algn="ctr"/>
+            <a:r>
+              <a:rPr lang="en-US" b="1" i="1" dirty="0"/>
+              <a:t>Postgres</a:t>
+            </a:r>
+          </a:p>
+        </p:txBody>
+      </p:sp>
+      <p:sp>
+        <p:nvSpPr>
+          <p:cNvPr id="19" name="TextBox 18">
+            <a:extLst>
+              <a:ext uri="{FF2B5EF4-FFF2-40B4-BE49-F238E27FC236}">
+                <a16:creationId xmlns:a16="http://schemas.microsoft.com/office/drawing/2014/main" id="{464B7B14-42C9-1F4B-9944-7C6E881CE93C}"/>
+              </a:ext>
+            </a:extLst>
+          </p:cNvPr>
+          <p:cNvSpPr txBox="1"/>
+          <p:nvPr/>
+        </p:nvSpPr>
+        <p:spPr>
+          <a:xfrm>
+            <a:off x="442912" y="337457"/>
+            <a:ext cx="1756635" cy="369332"/>
+          </a:xfrm>
+          <a:prstGeom prst="rect">
+            <a:avLst/>
+          </a:prstGeom>
+          <a:noFill/>
+        </p:spPr>
+        <p:txBody>
+          <a:bodyPr wrap="none" rtlCol="0">
+            <a:spAutoFit/>
+          </a:bodyPr>
+          <a:lstStyle/>
+          <a:p>
+            <a:r>
+              <a:rPr lang="en-US" dirty="0"/>
+              <a:t>Aws deployment</a:t>
+            </a:r>
+          </a:p>
+        </p:txBody>
+      </p:sp>
+      <p:sp>
+        <p:nvSpPr>
+          <p:cNvPr id="20" name="Rectangle 19">
+            <a:extLst>
+              <a:ext uri="{FF2B5EF4-FFF2-40B4-BE49-F238E27FC236}">
+                <a16:creationId xmlns:a16="http://schemas.microsoft.com/office/drawing/2014/main" id="{8F28D22F-7128-9842-81F3-A276F534CD99}"/>
+              </a:ext>
+            </a:extLst>
+          </p:cNvPr>
+          <p:cNvSpPr/>
+          <p:nvPr/>
+        </p:nvSpPr>
+        <p:spPr>
+          <a:xfrm>
+            <a:off x="4273804" y="2492489"/>
+            <a:ext cx="1905000" cy="1790700"/>
+          </a:xfrm>
+          <a:prstGeom prst="rect">
+            <a:avLst/>
+          </a:prstGeom>
+          <a:noFill/>
+          <a:ln w="38100">
+            <a:solidFill>
+              <a:schemeClr val="accent6">
+                <a:lumMod val="75000"/>
+              </a:schemeClr>
+            </a:solidFill>
+          </a:ln>
+        </p:spPr>
+        <p:style>
+          <a:lnRef idx="2">
+            <a:schemeClr val="accent1">
+              <a:shade val="50000"/>
+            </a:schemeClr>
+          </a:lnRef>
+          <a:fillRef idx="1">
+            <a:schemeClr val="accent1"/>
+          </a:fillRef>
+          <a:effectRef idx="0">
+            <a:schemeClr val="accent1"/>
+          </a:effectRef>
+          <a:fontRef idx="minor">
+            <a:schemeClr val="lt1"/>
+          </a:fontRef>
+        </p:style>
+        <p:txBody>
+          <a:bodyPr rtlCol="0" anchor="ctr"/>
+          <a:lstStyle/>
+          <a:p>
+            <a:pPr algn="ctr"/>
+            <a:endParaRPr lang="en-US" b="1" i="1" dirty="0">
+              <a:solidFill>
+                <a:schemeClr val="tx1"/>
+              </a:solidFill>
+            </a:endParaRPr>
+          </a:p>
+          <a:p>
+            <a:pPr algn="ctr"/>
+            <a:endParaRPr lang="en-US" b="1" i="1" dirty="0">
+              <a:solidFill>
+                <a:schemeClr val="tx1"/>
+              </a:solidFill>
+            </a:endParaRPr>
+          </a:p>
+          <a:p>
+            <a:pPr algn="ctr"/>
+            <a:endParaRPr lang="en-US" b="1" i="1" dirty="0">
+              <a:solidFill>
+                <a:schemeClr val="tx1"/>
+              </a:solidFill>
+            </a:endParaRPr>
+          </a:p>
+          <a:p>
+            <a:pPr algn="ctr"/>
+            <a:endParaRPr lang="en-US" b="1" i="1" dirty="0">
+              <a:solidFill>
+                <a:schemeClr val="tx1"/>
+              </a:solidFill>
+            </a:endParaRPr>
+          </a:p>
+          <a:p>
+            <a:pPr algn="ctr"/>
+            <a:endParaRPr lang="en-US" b="1" i="1" dirty="0">
+              <a:solidFill>
+                <a:schemeClr val="tx1"/>
+              </a:solidFill>
+            </a:endParaRPr>
+          </a:p>
+          <a:p>
+            <a:pPr algn="ctr"/>
+            <a:r>
+              <a:rPr lang="en-US" b="1" i="1" dirty="0">
+                <a:solidFill>
+                  <a:schemeClr val="tx1"/>
+                </a:solidFill>
+              </a:rPr>
+              <a:t>yelb-web0</a:t>
+            </a:r>
+          </a:p>
+        </p:txBody>
+      </p:sp>
+      <p:sp>
+        <p:nvSpPr>
+          <p:cNvPr id="21" name="Rounded Rectangle 20">
+            <a:extLst>
+              <a:ext uri="{FF2B5EF4-FFF2-40B4-BE49-F238E27FC236}">
+                <a16:creationId xmlns:a16="http://schemas.microsoft.com/office/drawing/2014/main" id="{1A801B31-BB8F-BE45-80E2-609E77B045CE}"/>
+              </a:ext>
+            </a:extLst>
+          </p:cNvPr>
+          <p:cNvSpPr/>
+          <p:nvPr/>
+        </p:nvSpPr>
+        <p:spPr>
+          <a:xfrm>
+            <a:off x="4538802" y="3118422"/>
+            <a:ext cx="1491343" cy="576944"/>
+          </a:xfrm>
+          <a:prstGeom prst="roundRect">
+            <a:avLst/>
+          </a:prstGeom>
+          <a:solidFill>
+            <a:schemeClr val="accent6">
+              <a:lumMod val="40000"/>
+              <a:lumOff val="60000"/>
+            </a:schemeClr>
+          </a:solidFill>
+          <a:ln>
+            <a:solidFill>
+              <a:schemeClr val="accent6">
+                <a:lumMod val="40000"/>
+                <a:lumOff val="60000"/>
+              </a:schemeClr>
+            </a:solidFill>
+          </a:ln>
+        </p:spPr>
+        <p:style>
+          <a:lnRef idx="2">
+            <a:schemeClr val="accent1">
+              <a:shade val="50000"/>
+            </a:schemeClr>
+          </a:lnRef>
+          <a:fillRef idx="1">
+            <a:schemeClr val="accent1"/>
+          </a:fillRef>
+          <a:effectRef idx="0">
+            <a:schemeClr val="accent1"/>
+          </a:effectRef>
+          <a:fontRef idx="minor">
+            <a:schemeClr val="lt1"/>
+          </a:fontRef>
+        </p:style>
+        <p:txBody>
+          <a:bodyPr rtlCol="0" anchor="ctr"/>
+          <a:lstStyle/>
+          <a:p>
+            <a:pPr algn="ctr"/>
+            <a:r>
+              <a:rPr lang="en-US" b="1" i="1" dirty="0">
+                <a:solidFill>
+                  <a:schemeClr val="tx1"/>
+                </a:solidFill>
+              </a:rPr>
+              <a:t>nginx</a:t>
+            </a:r>
+          </a:p>
+        </p:txBody>
+      </p:sp>
+      <p:sp>
+        <p:nvSpPr>
+          <p:cNvPr id="22" name="Snip Single Corner Rectangle 21">
+            <a:extLst>
+              <a:ext uri="{FF2B5EF4-FFF2-40B4-BE49-F238E27FC236}">
+                <a16:creationId xmlns:a16="http://schemas.microsoft.com/office/drawing/2014/main" id="{756D5F2F-AD25-0341-8D4B-BE8A20E7F823}"/>
+              </a:ext>
+            </a:extLst>
+          </p:cNvPr>
+          <p:cNvSpPr/>
+          <p:nvPr/>
+        </p:nvSpPr>
+        <p:spPr>
+          <a:xfrm>
+            <a:off x="4623167" y="2715648"/>
+            <a:ext cx="1059562" cy="359231"/>
+          </a:xfrm>
+          <a:prstGeom prst="snip1Rect">
+            <a:avLst>
+              <a:gd name="adj" fmla="val 32052"/>
+            </a:avLst>
+          </a:prstGeom>
+        </p:spPr>
+        <p:style>
+          <a:lnRef idx="2">
+            <a:schemeClr val="accent1">
+              <a:shade val="50000"/>
+            </a:schemeClr>
+          </a:lnRef>
+          <a:fillRef idx="1">
+            <a:schemeClr val="accent1"/>
+          </a:fillRef>
+          <a:effectRef idx="0">
+            <a:schemeClr val="accent1"/>
+          </a:effectRef>
+          <a:fontRef idx="minor">
+            <a:schemeClr val="lt1"/>
+          </a:fontRef>
+        </p:style>
+        <p:txBody>
+          <a:bodyPr rtlCol="0" anchor="ctr"/>
+          <a:lstStyle/>
+          <a:p>
+            <a:pPr algn="ctr"/>
+            <a:r>
+              <a:rPr lang="en-US" sz="1100" b="1" i="1" dirty="0"/>
+              <a:t>UI (Angular 2)</a:t>
+            </a:r>
+          </a:p>
+        </p:txBody>
+      </p:sp>
+      <p:sp>
+        <p:nvSpPr>
+          <p:cNvPr id="34" name="Rectangle 33">
+            <a:extLst>
+              <a:ext uri="{FF2B5EF4-FFF2-40B4-BE49-F238E27FC236}">
+                <a16:creationId xmlns:a16="http://schemas.microsoft.com/office/drawing/2014/main" id="{FDF3E530-1B59-AB4F-AF26-B6998ABEE9FD}"/>
+              </a:ext>
+            </a:extLst>
+          </p:cNvPr>
+          <p:cNvSpPr/>
+          <p:nvPr/>
+        </p:nvSpPr>
+        <p:spPr>
+          <a:xfrm>
+            <a:off x="3758208" y="1514091"/>
+            <a:ext cx="5375021" cy="473533"/>
+          </a:xfrm>
+          <a:prstGeom prst="rect">
+            <a:avLst/>
+          </a:prstGeom>
+          <a:ln w="28575"/>
+        </p:spPr>
+        <p:style>
+          <a:lnRef idx="2">
+            <a:schemeClr val="accent4"/>
+          </a:lnRef>
+          <a:fillRef idx="1">
+            <a:schemeClr val="lt1"/>
+          </a:fillRef>
+          <a:effectRef idx="0">
+            <a:schemeClr val="accent4"/>
+          </a:effectRef>
+          <a:fontRef idx="minor">
+            <a:schemeClr val="dk1"/>
+          </a:fontRef>
+        </p:style>
+        <p:txBody>
+          <a:bodyPr rtlCol="0" anchor="ctr"/>
+          <a:lstStyle/>
+          <a:p>
+            <a:pPr algn="ctr"/>
+            <a:r>
+              <a:rPr lang="en-US" b="1" i="1" dirty="0">
+                <a:solidFill>
+                  <a:schemeClr val="tx1"/>
+                </a:solidFill>
+              </a:rPr>
+              <a:t>Application load balancer</a:t>
+            </a:r>
+          </a:p>
+        </p:txBody>
+      </p:sp>
+      <p:cxnSp>
+        <p:nvCxnSpPr>
+          <p:cNvPr id="36" name="Elbow Connector 35">
+            <a:extLst>
+              <a:ext uri="{FF2B5EF4-FFF2-40B4-BE49-F238E27FC236}">
+                <a16:creationId xmlns:a16="http://schemas.microsoft.com/office/drawing/2014/main" id="{6781AF8D-6AEE-4147-8A1C-C39A81511D2B}"/>
+              </a:ext>
+            </a:extLst>
+          </p:cNvPr>
+          <p:cNvCxnSpPr>
+            <a:cxnSpLocks/>
+            <a:stCxn id="20" idx="2"/>
+            <a:endCxn id="5" idx="0"/>
+          </p:cNvCxnSpPr>
+          <p:nvPr/>
+        </p:nvCxnSpPr>
+        <p:spPr>
+          <a:xfrm rot="16200000" flipH="1">
+            <a:off x="5387733" y="4121760"/>
+            <a:ext cx="896559" cy="1219416"/>
+          </a:xfrm>
+          <a:prstGeom prst="bentConnector3">
+            <a:avLst>
+              <a:gd name="adj1" fmla="val 50000"/>
+            </a:avLst>
+          </a:prstGeom>
+          <a:ln w="19050">
+            <a:solidFill>
+              <a:schemeClr val="tx1"/>
+            </a:solidFill>
+            <a:headEnd type="triangle"/>
+            <a:tailEnd type="triangle"/>
+          </a:ln>
+        </p:spPr>
+        <p:style>
+          <a:lnRef idx="1">
+            <a:schemeClr val="accent1"/>
+          </a:lnRef>
+          <a:fillRef idx="0">
+            <a:schemeClr val="accent1"/>
+          </a:fillRef>
+          <a:effectRef idx="0">
+            <a:schemeClr val="accent1"/>
+          </a:effectRef>
+          <a:fontRef idx="minor">
+            <a:schemeClr val="tx1"/>
+          </a:fontRef>
+        </p:style>
+      </p:cxnSp>
+      <p:cxnSp>
+        <p:nvCxnSpPr>
+          <p:cNvPr id="43" name="Elbow Connector 42">
+            <a:extLst>
+              <a:ext uri="{FF2B5EF4-FFF2-40B4-BE49-F238E27FC236}">
+                <a16:creationId xmlns:a16="http://schemas.microsoft.com/office/drawing/2014/main" id="{9DC4D476-6EEB-F647-AC14-6D3B1334E1BF}"/>
+              </a:ext>
+            </a:extLst>
+          </p:cNvPr>
+          <p:cNvCxnSpPr>
+            <a:cxnSpLocks/>
+            <a:stCxn id="34" idx="2"/>
+            <a:endCxn id="20" idx="0"/>
+          </p:cNvCxnSpPr>
+          <p:nvPr/>
+        </p:nvCxnSpPr>
+        <p:spPr>
+          <a:xfrm rot="5400000">
+            <a:off x="5583580" y="1630349"/>
+            <a:ext cx="504865" cy="1219415"/>
+          </a:xfrm>
+          <a:prstGeom prst="bentConnector3">
+            <a:avLst>
+              <a:gd name="adj1" fmla="val 50000"/>
+            </a:avLst>
+          </a:prstGeom>
+          <a:ln w="19050">
+            <a:solidFill>
+              <a:schemeClr val="tx1"/>
+            </a:solidFill>
+            <a:headEnd type="triangle"/>
+            <a:tailEnd type="triangle"/>
+          </a:ln>
+        </p:spPr>
+        <p:style>
+          <a:lnRef idx="1">
+            <a:schemeClr val="accent1"/>
+          </a:lnRef>
+          <a:fillRef idx="0">
+            <a:schemeClr val="accent1"/>
+          </a:fillRef>
+          <a:effectRef idx="0">
+            <a:schemeClr val="accent1"/>
+          </a:effectRef>
+          <a:fontRef idx="minor">
+            <a:schemeClr val="tx1"/>
+          </a:fontRef>
+        </p:style>
+      </p:cxnSp>
+      <p:cxnSp>
+        <p:nvCxnSpPr>
+          <p:cNvPr id="47" name="Elbow Connector 46">
+            <a:extLst>
+              <a:ext uri="{FF2B5EF4-FFF2-40B4-BE49-F238E27FC236}">
+                <a16:creationId xmlns:a16="http://schemas.microsoft.com/office/drawing/2014/main" id="{C3408F15-AA48-5845-907E-2EB0493B8619}"/>
+              </a:ext>
+            </a:extLst>
+          </p:cNvPr>
+          <p:cNvCxnSpPr>
+            <a:cxnSpLocks/>
+            <a:stCxn id="34" idx="2"/>
+            <a:endCxn id="4" idx="0"/>
+          </p:cNvCxnSpPr>
+          <p:nvPr/>
+        </p:nvCxnSpPr>
+        <p:spPr>
+          <a:xfrm rot="16200000" flipH="1">
+            <a:off x="6810178" y="1623164"/>
+            <a:ext cx="504865" cy="1233783"/>
+          </a:xfrm>
+          <a:prstGeom prst="bentConnector3">
+            <a:avLst>
+              <a:gd name="adj1" fmla="val 50000"/>
+            </a:avLst>
+          </a:prstGeom>
+          <a:ln w="19050">
+            <a:solidFill>
+              <a:schemeClr val="tx1"/>
+            </a:solidFill>
+            <a:headEnd type="triangle"/>
+            <a:tailEnd type="triangle"/>
+          </a:ln>
+        </p:spPr>
+        <p:style>
+          <a:lnRef idx="1">
+            <a:schemeClr val="accent1"/>
+          </a:lnRef>
+          <a:fillRef idx="0">
+            <a:schemeClr val="accent1"/>
+          </a:fillRef>
+          <a:effectRef idx="0">
+            <a:schemeClr val="accent1"/>
+          </a:effectRef>
+          <a:fontRef idx="minor">
+            <a:schemeClr val="tx1"/>
+          </a:fontRef>
+        </p:style>
+      </p:cxnSp>
+    </p:spTree>
+    <p:extLst>
+      <p:ext uri="{BB962C8B-B14F-4D97-AF65-F5344CB8AC3E}">
+        <p14:creationId xmlns:p14="http://schemas.microsoft.com/office/powerpoint/2010/main" val="3090156145"/>
       </p:ext>
     </p:extLst>
   </p:cSld>
